--- a/MyStudyRoom/PYTHON/★★★★실습★★★★/★BigData-workspace★/220107_crawling/웹 크롤링.pptx
+++ b/MyStudyRoom/PYTHON/★★★★실습★★★★/★BigData-workspace★/220107_crawling/웹 크롤링.pptx
@@ -311,7 +311,7 @@
           <a:p>
             <a:fld id="{C25D33BB-BAE4-4CD6-8837-DC47E5059C58}" type="datetimeFigureOut">
               <a:rPr lang="ko-KR" altLang="en-US" smtClean="0"/>
-              <a:t>2022-01-07</a:t>
+              <a:t>2022-01-11</a:t>
             </a:fld>
             <a:endParaRPr lang="ko-KR" altLang="en-US"/>
           </a:p>
@@ -516,7 +516,7 @@
           <a:p>
             <a:fld id="{C25D33BB-BAE4-4CD6-8837-DC47E5059C58}" type="datetimeFigureOut">
               <a:rPr lang="ko-KR" altLang="en-US" smtClean="0"/>
-              <a:t>2022-01-07</a:t>
+              <a:t>2022-01-11</a:t>
             </a:fld>
             <a:endParaRPr lang="ko-KR" altLang="en-US"/>
           </a:p>
@@ -696,7 +696,7 @@
           <a:p>
             <a:fld id="{C25D33BB-BAE4-4CD6-8837-DC47E5059C58}" type="datetimeFigureOut">
               <a:rPr lang="ko-KR" altLang="en-US" smtClean="0"/>
-              <a:t>2022-01-07</a:t>
+              <a:t>2022-01-11</a:t>
             </a:fld>
             <a:endParaRPr lang="ko-KR" altLang="en-US"/>
           </a:p>
@@ -901,7 +901,7 @@
           <a:p>
             <a:fld id="{C25D33BB-BAE4-4CD6-8837-DC47E5059C58}" type="datetimeFigureOut">
               <a:rPr lang="ko-KR" altLang="en-US" smtClean="0"/>
-              <a:t>2022-01-07</a:t>
+              <a:t>2022-01-11</a:t>
             </a:fld>
             <a:endParaRPr lang="ko-KR" altLang="en-US"/>
           </a:p>
@@ -1196,7 +1196,7 @@
           <a:p>
             <a:fld id="{C25D33BB-BAE4-4CD6-8837-DC47E5059C58}" type="datetimeFigureOut">
               <a:rPr lang="ko-KR" altLang="en-US" smtClean="0"/>
-              <a:t>2022-01-07</a:t>
+              <a:t>2022-01-11</a:t>
             </a:fld>
             <a:endParaRPr lang="ko-KR" altLang="en-US"/>
           </a:p>
@@ -1468,7 +1468,7 @@
           <a:p>
             <a:fld id="{C25D33BB-BAE4-4CD6-8837-DC47E5059C58}" type="datetimeFigureOut">
               <a:rPr lang="ko-KR" altLang="en-US" smtClean="0"/>
-              <a:t>2022-01-07</a:t>
+              <a:t>2022-01-11</a:t>
             </a:fld>
             <a:endParaRPr lang="ko-KR" altLang="en-US"/>
           </a:p>
@@ -1875,7 +1875,7 @@
           <a:p>
             <a:fld id="{C25D33BB-BAE4-4CD6-8837-DC47E5059C58}" type="datetimeFigureOut">
               <a:rPr lang="ko-KR" altLang="en-US" smtClean="0"/>
-              <a:t>2022-01-07</a:t>
+              <a:t>2022-01-11</a:t>
             </a:fld>
             <a:endParaRPr lang="ko-KR" altLang="en-US"/>
           </a:p>
@@ -1993,7 +1993,7 @@
           <a:p>
             <a:fld id="{C25D33BB-BAE4-4CD6-8837-DC47E5059C58}" type="datetimeFigureOut">
               <a:rPr lang="ko-KR" altLang="en-US" smtClean="0"/>
-              <a:t>2022-01-07</a:t>
+              <a:t>2022-01-11</a:t>
             </a:fld>
             <a:endParaRPr lang="ko-KR" altLang="en-US"/>
           </a:p>
@@ -2088,7 +2088,7 @@
           <a:p>
             <a:fld id="{C25D33BB-BAE4-4CD6-8837-DC47E5059C58}" type="datetimeFigureOut">
               <a:rPr lang="ko-KR" altLang="en-US" smtClean="0"/>
-              <a:t>2022-01-07</a:t>
+              <a:t>2022-01-11</a:t>
             </a:fld>
             <a:endParaRPr lang="ko-KR" altLang="en-US"/>
           </a:p>
@@ -2378,7 +2378,7 @@
           <a:p>
             <a:fld id="{C25D33BB-BAE4-4CD6-8837-DC47E5059C58}" type="datetimeFigureOut">
               <a:rPr lang="ko-KR" altLang="en-US" smtClean="0"/>
-              <a:t>2022-01-07</a:t>
+              <a:t>2022-01-11</a:t>
             </a:fld>
             <a:endParaRPr lang="ko-KR" altLang="en-US"/>
           </a:p>
@@ -2658,7 +2658,7 @@
           <a:p>
             <a:fld id="{C25D33BB-BAE4-4CD6-8837-DC47E5059C58}" type="datetimeFigureOut">
               <a:rPr lang="ko-KR" altLang="en-US" smtClean="0"/>
-              <a:t>2022-01-07</a:t>
+              <a:t>2022-01-11</a:t>
             </a:fld>
             <a:endParaRPr lang="ko-KR" altLang="en-US"/>
           </a:p>
@@ -2908,7 +2908,7 @@
           <a:p>
             <a:fld id="{C25D33BB-BAE4-4CD6-8837-DC47E5059C58}" type="datetimeFigureOut">
               <a:rPr lang="ko-KR" altLang="en-US" smtClean="0"/>
-              <a:t>2022-01-07</a:t>
+              <a:t>2022-01-11</a:t>
             </a:fld>
             <a:endParaRPr lang="ko-KR" altLang="en-US"/>
           </a:p>
@@ -3576,17 +3576,12 @@
             </a:r>
             <a:r>
               <a:rPr lang="ko-KR" altLang="en-US" dirty="0" smtClean="0"/>
-              <a:t>부모 띄어쓰기 </a:t>
-            </a:r>
-            <a:r>
-              <a:rPr lang="ko-KR" altLang="en-US" dirty="0" smtClean="0"/>
-              <a:t>자손</a:t>
+              <a:t>부모 띄어쓰기 자손</a:t>
             </a:r>
             <a:r>
               <a:rPr lang="en-US" altLang="ko-KR" dirty="0" smtClean="0"/>
               <a:t>)</a:t>
             </a:r>
-            <a:endParaRPr lang="en-US" altLang="ko-KR" dirty="0" smtClean="0"/>
           </a:p>
           <a:p>
             <a:pPr lvl="1"/>
@@ -3689,7 +3684,6 @@
               <a:rPr lang="en-US" altLang="ko-KR" dirty="0" smtClean="0"/>
               <a:t>A~B</a:t>
             </a:r>
-            <a:endParaRPr lang="en-US" altLang="ko-KR" dirty="0" smtClean="0"/>
           </a:p>
           <a:p>
             <a:r>
@@ -4368,19 +4362,11 @@
             </a:r>
             <a:r>
               <a:rPr lang="en-US" altLang="ko-KR" dirty="0" smtClean="0"/>
-              <a:t>-</a:t>
-            </a:r>
-            <a:r>
-              <a:rPr lang="en-US" altLang="ko-KR" dirty="0" smtClean="0"/>
-              <a:t>FEAT.</a:t>
+              <a:t>-FEAT.</a:t>
             </a:r>
             <a:r>
               <a:rPr lang="ko-KR" altLang="en-US" dirty="0" smtClean="0"/>
-              <a:t>함수</a:t>
-            </a:r>
-            <a:r>
-              <a:rPr lang="ko-KR" altLang="en-US" dirty="0" smtClean="0"/>
-              <a:t> </a:t>
+              <a:t>함수 </a:t>
             </a:r>
             <a:endParaRPr lang="ko-KR" altLang="en-US" dirty="0"/>
           </a:p>
@@ -4682,12 +4668,16 @@
               <a:t>5. </a:t>
             </a:r>
             <a:r>
-              <a:rPr lang="en-US" altLang="ko-KR" sz="2800" dirty="0" err="1" smtClean="0"/>
-              <a:t>selec</a:t>
+              <a:rPr lang="en-US" altLang="ko-KR" sz="2800" dirty="0" smtClean="0"/>
+              <a:t>select</a:t>
             </a:r>
             <a:r>
               <a:rPr lang="ko-KR" altLang="en-US" sz="2800" dirty="0" smtClean="0"/>
-              <a:t>로 원하는 태그에 접근 </a:t>
+              <a:t>로 </a:t>
+            </a:r>
+            <a:r>
+              <a:rPr lang="ko-KR" altLang="en-US" sz="2800" dirty="0" smtClean="0"/>
+              <a:t>원하는 태그에 접근 </a:t>
             </a:r>
             <a:endParaRPr lang="en-US" altLang="ko-KR" sz="2800" dirty="0" smtClean="0"/>
           </a:p>
